--- a/PHP-London.pptx
+++ b/PHP-London.pptx
@@ -312,7 +312,8 @@
           <a:p>
             <a:fld id="{F9BF41AD-C639-6348-80CF-54AC80AD67D9}" type="datetimeFigureOut">
               <a:rPr lang="en-US" smtClean="0"/>
-              <a:t>8/3/11</a:t>
+              <a:pPr/>
+              <a:t>8/4/11</a:t>
             </a:fld>
             <a:endParaRPr lang="en-US"/>
           </a:p>
@@ -354,6 +355,7 @@
           <a:p>
             <a:fld id="{34612088-C4FE-0044-A425-F0007AC4C2A3}" type="slidenum">
               <a:rPr lang="en-US" smtClean="0"/>
+              <a:pPr/>
               <a:t>‹#›</a:t>
             </a:fld>
             <a:endParaRPr lang="en-US"/>
@@ -477,7 +479,8 @@
           <a:p>
             <a:fld id="{F9BF41AD-C639-6348-80CF-54AC80AD67D9}" type="datetimeFigureOut">
               <a:rPr lang="en-US" smtClean="0"/>
-              <a:t>8/3/11</a:t>
+              <a:pPr/>
+              <a:t>8/4/11</a:t>
             </a:fld>
             <a:endParaRPr lang="en-US"/>
           </a:p>
@@ -519,6 +522,7 @@
           <a:p>
             <a:fld id="{34612088-C4FE-0044-A425-F0007AC4C2A3}" type="slidenum">
               <a:rPr lang="en-US" smtClean="0"/>
+              <a:pPr/>
               <a:t>‹#›</a:t>
             </a:fld>
             <a:endParaRPr lang="en-US"/>
@@ -652,7 +656,8 @@
           <a:p>
             <a:fld id="{F9BF41AD-C639-6348-80CF-54AC80AD67D9}" type="datetimeFigureOut">
               <a:rPr lang="en-US" smtClean="0"/>
-              <a:t>8/3/11</a:t>
+              <a:pPr/>
+              <a:t>8/4/11</a:t>
             </a:fld>
             <a:endParaRPr lang="en-US"/>
           </a:p>
@@ -694,6 +699,7 @@
           <a:p>
             <a:fld id="{34612088-C4FE-0044-A425-F0007AC4C2A3}" type="slidenum">
               <a:rPr lang="en-US" smtClean="0"/>
+              <a:pPr/>
               <a:t>‹#›</a:t>
             </a:fld>
             <a:endParaRPr lang="en-US"/>
@@ -817,7 +823,8 @@
           <a:p>
             <a:fld id="{F9BF41AD-C639-6348-80CF-54AC80AD67D9}" type="datetimeFigureOut">
               <a:rPr lang="en-US" smtClean="0"/>
-              <a:t>8/3/11</a:t>
+              <a:pPr/>
+              <a:t>8/4/11</a:t>
             </a:fld>
             <a:endParaRPr lang="en-US"/>
           </a:p>
@@ -859,6 +866,7 @@
           <a:p>
             <a:fld id="{34612088-C4FE-0044-A425-F0007AC4C2A3}" type="slidenum">
               <a:rPr lang="en-US" smtClean="0"/>
+              <a:pPr/>
               <a:t>‹#›</a:t>
             </a:fld>
             <a:endParaRPr lang="en-US"/>
@@ -1058,7 +1066,8 @@
           <a:p>
             <a:fld id="{F9BF41AD-C639-6348-80CF-54AC80AD67D9}" type="datetimeFigureOut">
               <a:rPr lang="en-US" smtClean="0"/>
-              <a:t>8/3/11</a:t>
+              <a:pPr/>
+              <a:t>8/4/11</a:t>
             </a:fld>
             <a:endParaRPr lang="en-US"/>
           </a:p>
@@ -1100,6 +1109,7 @@
           <a:p>
             <a:fld id="{34612088-C4FE-0044-A425-F0007AC4C2A3}" type="slidenum">
               <a:rPr lang="en-US" smtClean="0"/>
+              <a:pPr/>
               <a:t>‹#›</a:t>
             </a:fld>
             <a:endParaRPr lang="en-US"/>
@@ -1341,7 +1351,8 @@
           <a:p>
             <a:fld id="{F9BF41AD-C639-6348-80CF-54AC80AD67D9}" type="datetimeFigureOut">
               <a:rPr lang="en-US" smtClean="0"/>
-              <a:t>8/3/11</a:t>
+              <a:pPr/>
+              <a:t>8/4/11</a:t>
             </a:fld>
             <a:endParaRPr lang="en-US"/>
           </a:p>
@@ -1383,6 +1394,7 @@
           <a:p>
             <a:fld id="{34612088-C4FE-0044-A425-F0007AC4C2A3}" type="slidenum">
               <a:rPr lang="en-US" smtClean="0"/>
+              <a:pPr/>
               <a:t>‹#›</a:t>
             </a:fld>
             <a:endParaRPr lang="en-US"/>
@@ -1758,7 +1770,8 @@
           <a:p>
             <a:fld id="{F9BF41AD-C639-6348-80CF-54AC80AD67D9}" type="datetimeFigureOut">
               <a:rPr lang="en-US" smtClean="0"/>
-              <a:t>8/3/11</a:t>
+              <a:pPr/>
+              <a:t>8/4/11</a:t>
             </a:fld>
             <a:endParaRPr lang="en-US"/>
           </a:p>
@@ -1800,6 +1813,7 @@
           <a:p>
             <a:fld id="{34612088-C4FE-0044-A425-F0007AC4C2A3}" type="slidenum">
               <a:rPr lang="en-US" smtClean="0"/>
+              <a:pPr/>
               <a:t>‹#›</a:t>
             </a:fld>
             <a:endParaRPr lang="en-US"/>
@@ -1871,7 +1885,8 @@
           <a:p>
             <a:fld id="{F9BF41AD-C639-6348-80CF-54AC80AD67D9}" type="datetimeFigureOut">
               <a:rPr lang="en-US" smtClean="0"/>
-              <a:t>8/3/11</a:t>
+              <a:pPr/>
+              <a:t>8/4/11</a:t>
             </a:fld>
             <a:endParaRPr lang="en-US"/>
           </a:p>
@@ -1913,6 +1928,7 @@
           <a:p>
             <a:fld id="{34612088-C4FE-0044-A425-F0007AC4C2A3}" type="slidenum">
               <a:rPr lang="en-US" smtClean="0"/>
+              <a:pPr/>
               <a:t>‹#›</a:t>
             </a:fld>
             <a:endParaRPr lang="en-US"/>
@@ -1961,7 +1977,8 @@
           <a:p>
             <a:fld id="{F9BF41AD-C639-6348-80CF-54AC80AD67D9}" type="datetimeFigureOut">
               <a:rPr lang="en-US" smtClean="0"/>
-              <a:t>8/3/11</a:t>
+              <a:pPr/>
+              <a:t>8/4/11</a:t>
             </a:fld>
             <a:endParaRPr lang="en-US"/>
           </a:p>
@@ -2003,6 +2020,7 @@
           <a:p>
             <a:fld id="{34612088-C4FE-0044-A425-F0007AC4C2A3}" type="slidenum">
               <a:rPr lang="en-US" smtClean="0"/>
+              <a:pPr/>
               <a:t>‹#›</a:t>
             </a:fld>
             <a:endParaRPr lang="en-US"/>
@@ -2233,7 +2251,8 @@
           <a:p>
             <a:fld id="{F9BF41AD-C639-6348-80CF-54AC80AD67D9}" type="datetimeFigureOut">
               <a:rPr lang="en-US" smtClean="0"/>
-              <a:t>8/3/11</a:t>
+              <a:pPr/>
+              <a:t>8/4/11</a:t>
             </a:fld>
             <a:endParaRPr lang="en-US"/>
           </a:p>
@@ -2275,6 +2294,7 @@
           <a:p>
             <a:fld id="{34612088-C4FE-0044-A425-F0007AC4C2A3}" type="slidenum">
               <a:rPr lang="en-US" smtClean="0"/>
+              <a:pPr/>
               <a:t>‹#›</a:t>
             </a:fld>
             <a:endParaRPr lang="en-US"/>
@@ -2481,7 +2501,8 @@
           <a:p>
             <a:fld id="{F9BF41AD-C639-6348-80CF-54AC80AD67D9}" type="datetimeFigureOut">
               <a:rPr lang="en-US" smtClean="0"/>
-              <a:t>8/3/11</a:t>
+              <a:pPr/>
+              <a:t>8/4/11</a:t>
             </a:fld>
             <a:endParaRPr lang="en-US"/>
           </a:p>
@@ -2523,6 +2544,7 @@
           <a:p>
             <a:fld id="{34612088-C4FE-0044-A425-F0007AC4C2A3}" type="slidenum">
               <a:rPr lang="en-US" smtClean="0"/>
+              <a:pPr/>
               <a:t>‹#›</a:t>
             </a:fld>
             <a:endParaRPr lang="en-US"/>
@@ -2689,7 +2711,8 @@
           <a:p>
             <a:fld id="{F9BF41AD-C639-6348-80CF-54AC80AD67D9}" type="datetimeFigureOut">
               <a:rPr lang="en-US" smtClean="0"/>
-              <a:t>8/3/11</a:t>
+              <a:pPr/>
+              <a:t>8/4/11</a:t>
             </a:fld>
             <a:endParaRPr lang="en-US"/>
           </a:p>
@@ -2767,6 +2790,7 @@
           <a:p>
             <a:fld id="{34612088-C4FE-0044-A425-F0007AC4C2A3}" type="slidenum">
               <a:rPr lang="en-US" smtClean="0"/>
+              <a:pPr/>
               <a:t>‹#›</a:t>
             </a:fld>
             <a:endParaRPr lang="en-US"/>
@@ -7471,16 +7495,17 @@
               <a:rPr lang="en-US" b="1" dirty="0" smtClean="0"/>
               <a:t>www.failblog.com</a:t>
             </a:r>
+            <a:endParaRPr lang="en-US" b="1" dirty="0" smtClean="0"/>
           </a:p>
           <a:p>
             <a:pPr lvl="1"/>
             <a:r>
-              <a:rPr lang="en-US" b="1" dirty="0" err="1"/>
+              <a:rPr lang="en-US" b="1" dirty="0" err="1" smtClean="0"/>
               <a:t>h</a:t>
             </a:r>
             <a:r>
               <a:rPr lang="en-US" b="1" dirty="0" err="1" smtClean="0"/>
-              <a:t>ahabusiness.com</a:t>
+              <a:t>aha-business.com</a:t>
             </a:r>
             <a:endParaRPr lang="en-US" b="1" dirty="0" smtClean="0"/>
           </a:p>
@@ -7537,6 +7562,13 @@
   <p:clrMapOvr>
     <a:masterClrMapping/>
   </p:clrMapOvr>
+  <p:timing>
+    <p:tnLst>
+      <p:par>
+        <p:cTn id="1" dur="indefinite" restart="never" nodeType="tmRoot"/>
+      </p:par>
+    </p:tnLst>
+  </p:timing>
 </p:sld>
 </file>
 
